--- a/Group 5 – final project.pptx
+++ b/Group 5 – final project.pptx
@@ -5,10 +5,10 @@
     <p:sldMasterId id="2147483650" r:id="rId4"/>
   </p:sldMasterIdLst>
   <p:notesMasterIdLst>
-    <p:notesMasterId r:id="rId14"/>
+    <p:notesMasterId r:id="rId15"/>
   </p:notesMasterIdLst>
   <p:handoutMasterIdLst>
-    <p:handoutMasterId r:id="rId15"/>
+    <p:handoutMasterId r:id="rId16"/>
   </p:handoutMasterIdLst>
   <p:sldIdLst>
     <p:sldId id="312" r:id="rId5"/>
@@ -19,7 +19,8 @@
     <p:sldId id="315" r:id="rId10"/>
     <p:sldId id="317" r:id="rId11"/>
     <p:sldId id="318" r:id="rId12"/>
-    <p:sldId id="297" r:id="rId13"/>
+    <p:sldId id="319" r:id="rId13"/>
+    <p:sldId id="297" r:id="rId14"/>
   </p:sldIdLst>
   <p:sldSz cx="12192000" cy="6858000"/>
   <p:notesSz cx="13716000" cy="24384000"/>
@@ -21167,7 +21168,7 @@
           <a:p>
             <a:r>
               <a:rPr lang="en-US" dirty="0"/>
-              <a:t>Group 5 – final project</a:t>
+              <a:t>Credit worthiness– final project</a:t>
             </a:r>
           </a:p>
         </p:txBody>
@@ -21176,6 +21177,69 @@
     <p:extLst>
       <p:ext uri="{BB962C8B-B14F-4D97-AF65-F5344CB8AC3E}">
         <p14:creationId xmlns:p14="http://schemas.microsoft.com/office/powerpoint/2010/main" val="2202437675"/>
+      </p:ext>
+    </p:extLst>
+  </p:cSld>
+  <p:clrMapOvr>
+    <a:masterClrMapping/>
+  </p:clrMapOvr>
+</p:sld>
+</file>
+
+<file path=ppt/slides/slide10.xml><?xml version="1.0" encoding="utf-8"?>
+<p:sld xmlns:a="http://schemas.openxmlformats.org/drawingml/2006/main" xmlns:r="http://schemas.openxmlformats.org/officeDocument/2006/relationships" xmlns:p="http://schemas.openxmlformats.org/presentationml/2006/main">
+  <p:cSld>
+    <p:spTree>
+      <p:nvGrpSpPr>
+        <p:cNvPr id="1" name=""/>
+        <p:cNvGrpSpPr/>
+        <p:nvPr/>
+      </p:nvGrpSpPr>
+      <p:grpSpPr>
+        <a:xfrm>
+          <a:off x="0" y="0"/>
+          <a:ext cx="0" cy="0"/>
+          <a:chOff x="0" y="0"/>
+          <a:chExt cx="0" cy="0"/>
+        </a:xfrm>
+      </p:grpSpPr>
+      <p:sp>
+        <p:nvSpPr>
+          <p:cNvPr id="2" name="Title 1">
+            <a:extLst>
+              <a:ext uri="{FF2B5EF4-FFF2-40B4-BE49-F238E27FC236}">
+                <a16:creationId xmlns:a16="http://schemas.microsoft.com/office/drawing/2014/main" id="{509D22C5-0C9E-B582-A8FE-B45E70A01E7F}"/>
+              </a:ext>
+            </a:extLst>
+          </p:cNvPr>
+          <p:cNvSpPr>
+            <a:spLocks noGrp="1"/>
+          </p:cNvSpPr>
+          <p:nvPr>
+            <p:ph type="ctrTitle"/>
+          </p:nvPr>
+        </p:nvSpPr>
+        <p:spPr>
+          <a:xfrm>
+            <a:off x="914401" y="849782"/>
+            <a:ext cx="5715000" cy="2727709"/>
+          </a:xfrm>
+        </p:spPr>
+        <p:txBody>
+          <a:bodyPr/>
+          <a:lstStyle/>
+          <a:p>
+            <a:r>
+              <a:rPr lang="en-US" dirty="0"/>
+              <a:t>Thank you</a:t>
+            </a:r>
+          </a:p>
+        </p:txBody>
+      </p:sp>
+    </p:spTree>
+    <p:extLst>
+      <p:ext uri="{BB962C8B-B14F-4D97-AF65-F5344CB8AC3E}">
+        <p14:creationId xmlns:p14="http://schemas.microsoft.com/office/powerpoint/2010/main" val="1973173046"/>
       </p:ext>
     </p:extLst>
   </p:cSld>
@@ -21263,6 +21327,7 @@
           </a:bodyPr>
           <a:lstStyle/>
           <a:p>
+            <a:pPr algn="just"/>
             <a:r>
               <a:rPr lang="en-US" b="0" i="0" dirty="0">
                 <a:solidFill>
@@ -21271,7 +21336,45 @@
                 <a:effectLst/>
                 <a:latin typeface="-apple-system"/>
               </a:rPr>
-              <a:t>The analysis aimed to determine the probability of a loan defaulting due to factors collected in the data. The team secured data from Kaggle, cleaned the dataset, built a regression model and created an interactive (HTML) user interface (UI) to get predictions. The HTML page allowed users to see the predictions of the model. The evaluation had limitations due to limitations within the data. This report outlines the limitations of the data and an overview of the analysis.</a:t>
+              <a:t>The analysis is aimed to determine the probability of a loan defaulting due to factors collected in the data. </a:t>
+            </a:r>
+            <a:r>
+              <a:rPr lang="en-US" dirty="0">
+                <a:solidFill>
+                  <a:srgbClr val="1F2328"/>
+                </a:solidFill>
+                <a:latin typeface="-apple-system"/>
+              </a:rPr>
+              <a:t>Our</a:t>
+            </a:r>
+            <a:r>
+              <a:rPr lang="en-US" b="0" i="0" dirty="0">
+                <a:solidFill>
+                  <a:srgbClr val="1F2328"/>
+                </a:solidFill>
+                <a:effectLst/>
+                <a:latin typeface="-apple-system"/>
+              </a:rPr>
+              <a:t> team secured the dataset from Kaggle, cleaned the dataset, built a regression model, and created an interactive (HTML) user interface (UI) to get predictions. The HTML page allows users to see the predictions of the model. Due to the limitations within the dataset, our evaluation is limited. This report outlines the limitations of the data and an overview of </a:t>
+            </a:r>
+            <a:r>
+              <a:rPr lang="en-US" dirty="0">
+                <a:solidFill>
+                  <a:srgbClr val="1F2328"/>
+                </a:solidFill>
+                <a:latin typeface="-apple-system"/>
+              </a:rPr>
+              <a:t>our</a:t>
+            </a:r>
+            <a:r>
+              <a:rPr lang="en-US" b="0" i="0" dirty="0">
+                <a:solidFill>
+                  <a:srgbClr val="1F2328"/>
+                </a:solidFill>
+                <a:effectLst/>
+                <a:latin typeface="-apple-system"/>
+              </a:rPr>
+              <a:t> analysis.</a:t>
             </a:r>
             <a:endParaRPr lang="en-US" dirty="0"/>
           </a:p>
@@ -21959,7 +22062,7 @@
           <p:cNvPr id="2" name="Title 1">
             <a:extLst>
               <a:ext uri="{FF2B5EF4-FFF2-40B4-BE49-F238E27FC236}">
-                <a16:creationId xmlns:a16="http://schemas.microsoft.com/office/drawing/2014/main" id="{509D22C5-0C9E-B582-A8FE-B45E70A01E7F}"/>
+                <a16:creationId xmlns:a16="http://schemas.microsoft.com/office/drawing/2014/main" id="{B417141D-6858-E669-9013-1AF1296DDB6A}"/>
               </a:ext>
             </a:extLst>
           </p:cNvPr>
@@ -21967,13 +22070,13 @@
             <a:spLocks noGrp="1"/>
           </p:cNvSpPr>
           <p:nvPr>
-            <p:ph type="ctrTitle"/>
+            <p:ph type="title"/>
           </p:nvPr>
         </p:nvSpPr>
         <p:spPr>
           <a:xfrm>
-            <a:off x="914401" y="849782"/>
-            <a:ext cx="5715000" cy="2727709"/>
+            <a:off x="3637222" y="486696"/>
+            <a:ext cx="7043617" cy="686807"/>
           </a:xfrm>
         </p:spPr>
         <p:txBody>
@@ -21982,15 +22085,427 @@
           <a:p>
             <a:r>
               <a:rPr lang="en-US" dirty="0"/>
-              <a:t>Thank you</a:t>
+              <a:t>Contributors </a:t>
             </a:r>
+          </a:p>
+        </p:txBody>
+      </p:sp>
+      <p:pic>
+        <p:nvPicPr>
+          <p:cNvPr id="5" name="Content Placeholder 4">
+            <a:extLst>
+              <a:ext uri="{FF2B5EF4-FFF2-40B4-BE49-F238E27FC236}">
+                <a16:creationId xmlns:a16="http://schemas.microsoft.com/office/drawing/2014/main" id="{D2EB40ED-F5EE-CBA4-9DE0-81EDCB28EAC4}"/>
+              </a:ext>
+            </a:extLst>
+          </p:cNvPr>
+          <p:cNvPicPr>
+            <a:picLocks noChangeAspect="1"/>
+          </p:cNvPicPr>
+          <p:nvPr/>
+        </p:nvPicPr>
+        <p:blipFill>
+          <a:blip r:embed="rId2"/>
+          <a:stretch>
+            <a:fillRect/>
+          </a:stretch>
+        </p:blipFill>
+        <p:spPr>
+          <a:xfrm>
+            <a:off x="644056" y="2203710"/>
+            <a:ext cx="1989387" cy="2194863"/>
+          </a:xfrm>
+          <a:prstGeom prst="rect">
+            <a:avLst/>
+          </a:prstGeom>
+        </p:spPr>
+      </p:pic>
+      <p:pic>
+        <p:nvPicPr>
+          <p:cNvPr id="6" name="Picture 5">
+            <a:extLst>
+              <a:ext uri="{FF2B5EF4-FFF2-40B4-BE49-F238E27FC236}">
+                <a16:creationId xmlns:a16="http://schemas.microsoft.com/office/drawing/2014/main" id="{4BE88CC7-722C-21BA-6061-4F91525748EB}"/>
+              </a:ext>
+            </a:extLst>
+          </p:cNvPr>
+          <p:cNvPicPr>
+            <a:picLocks noChangeAspect="1"/>
+          </p:cNvPicPr>
+          <p:nvPr/>
+        </p:nvPicPr>
+        <p:blipFill>
+          <a:blip r:embed="rId3"/>
+          <a:stretch>
+            <a:fillRect/>
+          </a:stretch>
+        </p:blipFill>
+        <p:spPr>
+          <a:xfrm>
+            <a:off x="2879287" y="2203710"/>
+            <a:ext cx="1989387" cy="2194863"/>
+          </a:xfrm>
+          <a:prstGeom prst="rect">
+            <a:avLst/>
+          </a:prstGeom>
+        </p:spPr>
+      </p:pic>
+      <p:pic>
+        <p:nvPicPr>
+          <p:cNvPr id="7" name="Picture 6">
+            <a:extLst>
+              <a:ext uri="{FF2B5EF4-FFF2-40B4-BE49-F238E27FC236}">
+                <a16:creationId xmlns:a16="http://schemas.microsoft.com/office/drawing/2014/main" id="{F09B5DEF-D013-96D5-03E3-95C90F0DAE22}"/>
+              </a:ext>
+            </a:extLst>
+          </p:cNvPr>
+          <p:cNvPicPr>
+            <a:picLocks noChangeAspect="1"/>
+          </p:cNvPicPr>
+          <p:nvPr/>
+        </p:nvPicPr>
+        <p:blipFill>
+          <a:blip r:embed="rId4"/>
+          <a:stretch>
+            <a:fillRect/>
+          </a:stretch>
+        </p:blipFill>
+        <p:spPr>
+          <a:xfrm>
+            <a:off x="5112037" y="2276237"/>
+            <a:ext cx="1989387" cy="2122337"/>
+          </a:xfrm>
+          <a:prstGeom prst="rect">
+            <a:avLst/>
+          </a:prstGeom>
+        </p:spPr>
+      </p:pic>
+      <p:pic>
+        <p:nvPicPr>
+          <p:cNvPr id="8" name="Picture 7">
+            <a:extLst>
+              <a:ext uri="{FF2B5EF4-FFF2-40B4-BE49-F238E27FC236}">
+                <a16:creationId xmlns:a16="http://schemas.microsoft.com/office/drawing/2014/main" id="{D600A26C-5948-9450-AD5D-54AE1DEF435E}"/>
+              </a:ext>
+            </a:extLst>
+          </p:cNvPr>
+          <p:cNvPicPr>
+            <a:picLocks noChangeAspect="1"/>
+          </p:cNvPicPr>
+          <p:nvPr/>
+        </p:nvPicPr>
+        <p:blipFill>
+          <a:blip r:embed="rId5"/>
+          <a:stretch>
+            <a:fillRect/>
+          </a:stretch>
+        </p:blipFill>
+        <p:spPr>
+          <a:xfrm>
+            <a:off x="9582498" y="2276236"/>
+            <a:ext cx="1989387" cy="2122337"/>
+          </a:xfrm>
+          <a:prstGeom prst="rect">
+            <a:avLst/>
+          </a:prstGeom>
+        </p:spPr>
+      </p:pic>
+      <p:pic>
+        <p:nvPicPr>
+          <p:cNvPr id="9" name="Picture 8">
+            <a:extLst>
+              <a:ext uri="{FF2B5EF4-FFF2-40B4-BE49-F238E27FC236}">
+                <a16:creationId xmlns:a16="http://schemas.microsoft.com/office/drawing/2014/main" id="{29AC7A18-0539-E9DF-9588-7D41B492D04A}"/>
+              </a:ext>
+            </a:extLst>
+          </p:cNvPr>
+          <p:cNvPicPr>
+            <a:picLocks noChangeAspect="1"/>
+          </p:cNvPicPr>
+          <p:nvPr/>
+        </p:nvPicPr>
+        <p:blipFill>
+          <a:blip r:embed="rId6"/>
+          <a:stretch>
+            <a:fillRect/>
+          </a:stretch>
+        </p:blipFill>
+        <p:spPr>
+          <a:xfrm>
+            <a:off x="7344787" y="2276236"/>
+            <a:ext cx="1989387" cy="2122338"/>
+          </a:xfrm>
+          <a:prstGeom prst="rect">
+            <a:avLst/>
+          </a:prstGeom>
+        </p:spPr>
+      </p:pic>
+      <p:sp>
+        <p:nvSpPr>
+          <p:cNvPr id="10" name="TextBox 9">
+            <a:extLst>
+              <a:ext uri="{FF2B5EF4-FFF2-40B4-BE49-F238E27FC236}">
+                <a16:creationId xmlns:a16="http://schemas.microsoft.com/office/drawing/2014/main" id="{276D98E5-B9B4-3D82-E5A8-EC8AEFB7317C}"/>
+              </a:ext>
+            </a:extLst>
+          </p:cNvPr>
+          <p:cNvSpPr txBox="1"/>
+          <p:nvPr/>
+        </p:nvSpPr>
+        <p:spPr>
+          <a:xfrm>
+            <a:off x="817460" y="4680676"/>
+            <a:ext cx="1689886" cy="363818"/>
+          </a:xfrm>
+          <a:prstGeom prst="rect">
+            <a:avLst/>
+          </a:prstGeom>
+          <a:noFill/>
+        </p:spPr>
+        <p:txBody>
+          <a:bodyPr wrap="none" rtlCol="0">
+            <a:spAutoFit/>
+          </a:bodyPr>
+          <a:lstStyle/>
+          <a:p>
+            <a:pPr defTabSz="896112">
+              <a:spcAft>
+                <a:spcPts val="600"/>
+              </a:spcAft>
+            </a:pPr>
+            <a:r>
+              <a:rPr lang="en-US" sz="1764" b="1" kern="1200" dirty="0">
+                <a:solidFill>
+                  <a:schemeClr val="tx1"/>
+                </a:solidFill>
+                <a:latin typeface="+mn-lt"/>
+                <a:ea typeface="+mn-ea"/>
+                <a:cs typeface="+mn-cs"/>
+              </a:rPr>
+              <a:t>Ashley Charles</a:t>
+            </a:r>
+            <a:endParaRPr lang="en-US" b="1" dirty="0"/>
+          </a:p>
+        </p:txBody>
+      </p:sp>
+      <p:sp>
+        <p:nvSpPr>
+          <p:cNvPr id="11" name="TextBox 10">
+            <a:extLst>
+              <a:ext uri="{FF2B5EF4-FFF2-40B4-BE49-F238E27FC236}">
+                <a16:creationId xmlns:a16="http://schemas.microsoft.com/office/drawing/2014/main" id="{B57A8B66-2AB4-0F9B-3E01-60768D7BB3D8}"/>
+              </a:ext>
+            </a:extLst>
+          </p:cNvPr>
+          <p:cNvSpPr txBox="1"/>
+          <p:nvPr/>
+        </p:nvSpPr>
+        <p:spPr>
+          <a:xfrm>
+            <a:off x="9815280" y="4689824"/>
+            <a:ext cx="1630383" cy="363818"/>
+          </a:xfrm>
+          <a:prstGeom prst="rect">
+            <a:avLst/>
+          </a:prstGeom>
+          <a:noFill/>
+        </p:spPr>
+        <p:txBody>
+          <a:bodyPr wrap="none" rtlCol="0">
+            <a:spAutoFit/>
+          </a:bodyPr>
+          <a:lstStyle/>
+          <a:p>
+            <a:pPr defTabSz="896112">
+              <a:spcAft>
+                <a:spcPts val="600"/>
+              </a:spcAft>
+            </a:pPr>
+            <a:r>
+              <a:rPr lang="en-US" sz="1764" b="1" kern="1200" dirty="0">
+                <a:solidFill>
+                  <a:schemeClr val="tx1"/>
+                </a:solidFill>
+                <a:latin typeface="+mn-lt"/>
+                <a:ea typeface="+mn-ea"/>
+                <a:cs typeface="+mn-cs"/>
+              </a:rPr>
+              <a:t>Vanessa </a:t>
+            </a:r>
+            <a:r>
+              <a:rPr lang="en-US" sz="1764" b="1" kern="1200" dirty="0" err="1">
+                <a:solidFill>
+                  <a:schemeClr val="tx1"/>
+                </a:solidFill>
+                <a:latin typeface="+mn-lt"/>
+                <a:ea typeface="+mn-ea"/>
+                <a:cs typeface="+mn-cs"/>
+              </a:rPr>
+              <a:t>Ivarra</a:t>
+            </a:r>
+            <a:endParaRPr lang="en-US" b="1" dirty="0"/>
+          </a:p>
+        </p:txBody>
+      </p:sp>
+      <p:sp>
+        <p:nvSpPr>
+          <p:cNvPr id="12" name="TextBox 11">
+            <a:extLst>
+              <a:ext uri="{FF2B5EF4-FFF2-40B4-BE49-F238E27FC236}">
+                <a16:creationId xmlns:a16="http://schemas.microsoft.com/office/drawing/2014/main" id="{EA79BC0E-97D7-E75B-B376-1E90479A25C1}"/>
+              </a:ext>
+            </a:extLst>
+          </p:cNvPr>
+          <p:cNvSpPr txBox="1"/>
+          <p:nvPr/>
+        </p:nvSpPr>
+        <p:spPr>
+          <a:xfrm>
+            <a:off x="7543094" y="4689824"/>
+            <a:ext cx="1479892" cy="363818"/>
+          </a:xfrm>
+          <a:prstGeom prst="rect">
+            <a:avLst/>
+          </a:prstGeom>
+          <a:noFill/>
+        </p:spPr>
+        <p:txBody>
+          <a:bodyPr wrap="none" rtlCol="0">
+            <a:spAutoFit/>
+          </a:bodyPr>
+          <a:lstStyle/>
+          <a:p>
+            <a:pPr defTabSz="896112">
+              <a:spcAft>
+                <a:spcPts val="600"/>
+              </a:spcAft>
+            </a:pPr>
+            <a:r>
+              <a:rPr lang="en-US" sz="1764" b="1" kern="1200" dirty="0">
+                <a:solidFill>
+                  <a:schemeClr val="tx1"/>
+                </a:solidFill>
+                <a:latin typeface="+mn-lt"/>
+                <a:ea typeface="+mn-ea"/>
+                <a:cs typeface="+mn-cs"/>
+              </a:rPr>
+              <a:t>Sarah Sherry</a:t>
+            </a:r>
+            <a:endParaRPr lang="en-US" b="1" dirty="0"/>
+          </a:p>
+        </p:txBody>
+      </p:sp>
+      <p:sp>
+        <p:nvSpPr>
+          <p:cNvPr id="13" name="TextBox 12">
+            <a:extLst>
+              <a:ext uri="{FF2B5EF4-FFF2-40B4-BE49-F238E27FC236}">
+                <a16:creationId xmlns:a16="http://schemas.microsoft.com/office/drawing/2014/main" id="{48BAC48B-BFF9-E6F5-9633-C6D297889D36}"/>
+              </a:ext>
+            </a:extLst>
+          </p:cNvPr>
+          <p:cNvSpPr txBox="1"/>
+          <p:nvPr/>
+        </p:nvSpPr>
+        <p:spPr>
+          <a:xfrm>
+            <a:off x="5400444" y="4689823"/>
+            <a:ext cx="1627369" cy="363818"/>
+          </a:xfrm>
+          <a:prstGeom prst="rect">
+            <a:avLst/>
+          </a:prstGeom>
+          <a:noFill/>
+        </p:spPr>
+        <p:txBody>
+          <a:bodyPr wrap="none" rtlCol="0">
+            <a:spAutoFit/>
+          </a:bodyPr>
+          <a:lstStyle/>
+          <a:p>
+            <a:pPr defTabSz="896112">
+              <a:spcAft>
+                <a:spcPts val="600"/>
+              </a:spcAft>
+            </a:pPr>
+            <a:r>
+              <a:rPr lang="en-US" sz="1764" b="1" kern="1200" dirty="0">
+                <a:solidFill>
+                  <a:schemeClr val="tx1"/>
+                </a:solidFill>
+                <a:latin typeface="+mn-lt"/>
+                <a:ea typeface="+mn-ea"/>
+                <a:cs typeface="+mn-cs"/>
+              </a:rPr>
+              <a:t>Leah Mathena</a:t>
+            </a:r>
+            <a:endParaRPr lang="en-US" b="1" dirty="0"/>
+          </a:p>
+        </p:txBody>
+      </p:sp>
+      <p:sp>
+        <p:nvSpPr>
+          <p:cNvPr id="14" name="TextBox 13">
+            <a:extLst>
+              <a:ext uri="{FF2B5EF4-FFF2-40B4-BE49-F238E27FC236}">
+                <a16:creationId xmlns:a16="http://schemas.microsoft.com/office/drawing/2014/main" id="{8532FA30-3711-A47A-FC93-B54CB26BC9A3}"/>
+              </a:ext>
+            </a:extLst>
+          </p:cNvPr>
+          <p:cNvSpPr txBox="1"/>
+          <p:nvPr/>
+        </p:nvSpPr>
+        <p:spPr>
+          <a:xfrm>
+            <a:off x="3021148" y="4680676"/>
+            <a:ext cx="2295821" cy="363818"/>
+          </a:xfrm>
+          <a:prstGeom prst="rect">
+            <a:avLst/>
+          </a:prstGeom>
+          <a:noFill/>
+        </p:spPr>
+        <p:txBody>
+          <a:bodyPr wrap="none" rtlCol="0">
+            <a:spAutoFit/>
+          </a:bodyPr>
+          <a:lstStyle/>
+          <a:p>
+            <a:pPr defTabSz="896112">
+              <a:spcAft>
+                <a:spcPts val="600"/>
+              </a:spcAft>
+            </a:pPr>
+            <a:r>
+              <a:rPr lang="en-US" sz="1764" b="1" kern="1200" dirty="0">
+                <a:solidFill>
+                  <a:schemeClr val="tx1"/>
+                </a:solidFill>
+                <a:latin typeface="+mn-lt"/>
+                <a:ea typeface="+mn-ea"/>
+                <a:cs typeface="+mn-cs"/>
+              </a:rPr>
+              <a:t>Azania Hood-</a:t>
+            </a:r>
+            <a:r>
+              <a:rPr lang="en-US" sz="1764" b="1" kern="1200" dirty="0" err="1">
+                <a:solidFill>
+                  <a:schemeClr val="tx1"/>
+                </a:solidFill>
+                <a:latin typeface="+mn-lt"/>
+                <a:ea typeface="+mn-ea"/>
+                <a:cs typeface="+mn-cs"/>
+              </a:rPr>
+              <a:t>Hosten</a:t>
+            </a:r>
+            <a:endParaRPr lang="en-US" b="1" dirty="0"/>
           </a:p>
         </p:txBody>
       </p:sp>
     </p:spTree>
     <p:extLst>
       <p:ext uri="{BB962C8B-B14F-4D97-AF65-F5344CB8AC3E}">
-        <p14:creationId xmlns:p14="http://schemas.microsoft.com/office/powerpoint/2010/main" val="1973173046"/>
+        <p14:creationId xmlns:p14="http://schemas.microsoft.com/office/powerpoint/2010/main" val="684355851"/>
       </p:ext>
     </p:extLst>
   </p:cSld>
@@ -22792,6 +23307,15 @@
 </file>
 
 <file path=customXml/item1.xml><?xml version="1.0" encoding="utf-8"?>
+<?mso-contentType ?>
+<FormTemplates xmlns="http://schemas.microsoft.com/sharepoint/v3/contenttype/forms">
+  <Display>DocumentLibraryForm</Display>
+  <Edit>DocumentLibraryForm</Edit>
+  <New>DocumentLibraryForm</New>
+</FormTemplates>
+</file>
+
+<file path=customXml/item2.xml><?xml version="1.0" encoding="utf-8"?>
 <p:properties xmlns:p="http://schemas.microsoft.com/office/2006/metadata/properties" xmlns:xsi="http://www.w3.org/2001/XMLSchema-instance" xmlns:pc="http://schemas.microsoft.com/office/infopath/2007/PartnerControls">
   <documentManagement>
     <_ip_UnifiedCompliancePolicyUIAction xmlns="http://schemas.microsoft.com/sharepoint/v3" xsi:nil="true"/>
@@ -22809,15 +23333,6 @@
     <MediaServiceKeyPoints xmlns="71af3243-3dd4-4a8d-8c0d-dd76da1f02a5" xsi:nil="true"/>
   </documentManagement>
 </p:properties>
-</file>
-
-<file path=customXml/item2.xml><?xml version="1.0" encoding="utf-8"?>
-<?mso-contentType ?>
-<FormTemplates xmlns="http://schemas.microsoft.com/sharepoint/v3/contenttype/forms">
-  <Display>DocumentLibraryForm</Display>
-  <Edit>DocumentLibraryForm</Edit>
-  <New>DocumentLibraryForm</New>
-</FormTemplates>
 </file>
 
 <file path=customXml/item3.xml><?xml version="1.0" encoding="utf-8"?>
@@ -23133,6 +23648,14 @@
 </file>
 
 <file path=customXml/itemProps1.xml><?xml version="1.0" encoding="utf-8"?>
+<ds:datastoreItem xmlns:ds="http://schemas.openxmlformats.org/officeDocument/2006/customXml" ds:itemID="{16DBB56F-4362-4386-A1A1-3DF898896616}">
+  <ds:schemaRefs>
+    <ds:schemaRef ds:uri="http://schemas.microsoft.com/sharepoint/v3/contenttype/forms"/>
+  </ds:schemaRefs>
+</ds:datastoreItem>
+</file>
+
+<file path=customXml/itemProps2.xml><?xml version="1.0" encoding="utf-8"?>
 <ds:datastoreItem xmlns:ds="http://schemas.openxmlformats.org/officeDocument/2006/customXml" ds:itemID="{BA719FA4-954C-4FA8-82CB-206659C3B826}">
   <ds:schemaRefs>
     <ds:schemaRef ds:uri="http://schemas.microsoft.com/office/2006/metadata/properties"/>
@@ -23140,14 +23663,6 @@
     <ds:schemaRef ds:uri="http://schemas.microsoft.com/sharepoint/v3"/>
     <ds:schemaRef ds:uri="71af3243-3dd4-4a8d-8c0d-dd76da1f02a5"/>
     <ds:schemaRef ds:uri="230e9df3-be65-4c73-a93b-d1236ebd677e"/>
-  </ds:schemaRefs>
-</ds:datastoreItem>
-</file>
-
-<file path=customXml/itemProps2.xml><?xml version="1.0" encoding="utf-8"?>
-<ds:datastoreItem xmlns:ds="http://schemas.openxmlformats.org/officeDocument/2006/customXml" ds:itemID="{16DBB56F-4362-4386-A1A1-3DF898896616}">
-  <ds:schemaRefs>
-    <ds:schemaRef ds:uri="http://schemas.microsoft.com/sharepoint/v3/contenttype/forms"/>
   </ds:schemaRefs>
 </ds:datastoreItem>
 </file>
